--- a/0 - Documentação do Projeto/Croqui do projeto BI.pptx
+++ b/0 - Documentação do Projeto/Croqui do projeto BI.pptx
@@ -259,7 +259,7 @@
           <a:p>
             <a:fld id="{C40BB383-11B2-407B-B993-0338173879F1}" type="datetimeFigureOut">
               <a:rPr lang="pt-BR" smtClean="0"/>
-              <a:t>25/11/2021</a:t>
+              <a:t>11/12/2021</a:t>
             </a:fld>
             <a:endParaRPr lang="pt-BR"/>
           </a:p>
@@ -457,7 +457,7 @@
           <a:p>
             <a:fld id="{C40BB383-11B2-407B-B993-0338173879F1}" type="datetimeFigureOut">
               <a:rPr lang="pt-BR" smtClean="0"/>
-              <a:t>25/11/2021</a:t>
+              <a:t>11/12/2021</a:t>
             </a:fld>
             <a:endParaRPr lang="pt-BR"/>
           </a:p>
@@ -665,7 +665,7 @@
           <a:p>
             <a:fld id="{C40BB383-11B2-407B-B993-0338173879F1}" type="datetimeFigureOut">
               <a:rPr lang="pt-BR" smtClean="0"/>
-              <a:t>25/11/2021</a:t>
+              <a:t>11/12/2021</a:t>
             </a:fld>
             <a:endParaRPr lang="pt-BR"/>
           </a:p>
@@ -863,7 +863,7 @@
           <a:p>
             <a:fld id="{C40BB383-11B2-407B-B993-0338173879F1}" type="datetimeFigureOut">
               <a:rPr lang="pt-BR" smtClean="0"/>
-              <a:t>25/11/2021</a:t>
+              <a:t>11/12/2021</a:t>
             </a:fld>
             <a:endParaRPr lang="pt-BR"/>
           </a:p>
@@ -1138,7 +1138,7 @@
           <a:p>
             <a:fld id="{C40BB383-11B2-407B-B993-0338173879F1}" type="datetimeFigureOut">
               <a:rPr lang="pt-BR" smtClean="0"/>
-              <a:t>25/11/2021</a:t>
+              <a:t>11/12/2021</a:t>
             </a:fld>
             <a:endParaRPr lang="pt-BR"/>
           </a:p>
@@ -1403,7 +1403,7 @@
           <a:p>
             <a:fld id="{C40BB383-11B2-407B-B993-0338173879F1}" type="datetimeFigureOut">
               <a:rPr lang="pt-BR" smtClean="0"/>
-              <a:t>25/11/2021</a:t>
+              <a:t>11/12/2021</a:t>
             </a:fld>
             <a:endParaRPr lang="pt-BR"/>
           </a:p>
@@ -1815,7 +1815,7 @@
           <a:p>
             <a:fld id="{C40BB383-11B2-407B-B993-0338173879F1}" type="datetimeFigureOut">
               <a:rPr lang="pt-BR" smtClean="0"/>
-              <a:t>25/11/2021</a:t>
+              <a:t>11/12/2021</a:t>
             </a:fld>
             <a:endParaRPr lang="pt-BR"/>
           </a:p>
@@ -1956,7 +1956,7 @@
           <a:p>
             <a:fld id="{C40BB383-11B2-407B-B993-0338173879F1}" type="datetimeFigureOut">
               <a:rPr lang="pt-BR" smtClean="0"/>
-              <a:t>25/11/2021</a:t>
+              <a:t>11/12/2021</a:t>
             </a:fld>
             <a:endParaRPr lang="pt-BR"/>
           </a:p>
@@ -2069,7 +2069,7 @@
           <a:p>
             <a:fld id="{C40BB383-11B2-407B-B993-0338173879F1}" type="datetimeFigureOut">
               <a:rPr lang="pt-BR" smtClean="0"/>
-              <a:t>25/11/2021</a:t>
+              <a:t>11/12/2021</a:t>
             </a:fld>
             <a:endParaRPr lang="pt-BR"/>
           </a:p>
@@ -2380,7 +2380,7 @@
           <a:p>
             <a:fld id="{C40BB383-11B2-407B-B993-0338173879F1}" type="datetimeFigureOut">
               <a:rPr lang="pt-BR" smtClean="0"/>
-              <a:t>25/11/2021</a:t>
+              <a:t>11/12/2021</a:t>
             </a:fld>
             <a:endParaRPr lang="pt-BR"/>
           </a:p>
@@ -2668,7 +2668,7 @@
           <a:p>
             <a:fld id="{C40BB383-11B2-407B-B993-0338173879F1}" type="datetimeFigureOut">
               <a:rPr lang="pt-BR" smtClean="0"/>
-              <a:t>25/11/2021</a:t>
+              <a:t>11/12/2021</a:t>
             </a:fld>
             <a:endParaRPr lang="pt-BR"/>
           </a:p>
@@ -2909,7 +2909,7 @@
           <a:p>
             <a:fld id="{C40BB383-11B2-407B-B993-0338173879F1}" type="datetimeFigureOut">
               <a:rPr lang="pt-BR" smtClean="0"/>
-              <a:t>25/11/2021</a:t>
+              <a:t>11/12/2021</a:t>
             </a:fld>
             <a:endParaRPr lang="pt-BR"/>
           </a:p>
@@ -3783,6 +3783,9 @@
             <a:avLst/>
           </a:prstGeom>
           <a:noFill/>
+          <a:effectLst>
+            <a:reflection blurRad="6350" stA="52000" endA="300" endPos="35000" dir="5400000" sy="-100000" algn="bl" rotWithShape="0"/>
+          </a:effectLst>
           <a:extLst>
             <a:ext uri="{909E8E84-426E-40DD-AFC4-6F175D3DCCD1}">
               <a14:hiddenFill xmlns:a14="http://schemas.microsoft.com/office/drawing/2010/main">
@@ -3833,12 +3836,47 @@
           </a:p>
         </p:txBody>
       </p:sp>
+      <p:sp>
+        <p:nvSpPr>
+          <p:cNvPr id="3" name="CaixaDeTexto 2">
+            <a:extLst>
+              <a:ext uri="{FF2B5EF4-FFF2-40B4-BE49-F238E27FC236}">
+                <a16:creationId xmlns:a16="http://schemas.microsoft.com/office/drawing/2014/main" id="{E191BA30-DB59-429D-B323-1B64927783DC}"/>
+              </a:ext>
+            </a:extLst>
+          </p:cNvPr>
+          <p:cNvSpPr txBox="1"/>
+          <p:nvPr/>
+        </p:nvSpPr>
+        <p:spPr>
+          <a:xfrm>
+            <a:off x="9416458" y="4096624"/>
+            <a:ext cx="1836015" cy="369332"/>
+          </a:xfrm>
+          <a:prstGeom prst="rect">
+            <a:avLst/>
+          </a:prstGeom>
+          <a:noFill/>
+        </p:spPr>
+        <p:txBody>
+          <a:bodyPr wrap="none" rtlCol="0">
+            <a:spAutoFit/>
+          </a:bodyPr>
+          <a:lstStyle/>
+          <a:p>
+            <a:r>
+              <a:rPr lang="pt-BR" dirty="0"/>
+              <a:t>Power BI Desktop</a:t>
+            </a:r>
+          </a:p>
+        </p:txBody>
+      </p:sp>
       <p:pic>
         <p:nvPicPr>
-          <p:cNvPr id="2" name="Picture 2" descr="Loop the loop – a quick guide to loops in Qlik Sense - Ometis">
-            <a:extLst>
-              <a:ext uri="{FF2B5EF4-FFF2-40B4-BE49-F238E27FC236}">
-                <a16:creationId xmlns:a16="http://schemas.microsoft.com/office/drawing/2014/main" id="{2DF8A62D-69C6-4F47-8034-D16DB2BBEC69}"/>
+          <p:cNvPr id="5" name="Picture 2" descr="Power BI – Digination">
+            <a:extLst>
+              <a:ext uri="{FF2B5EF4-FFF2-40B4-BE49-F238E27FC236}">
+                <a16:creationId xmlns:a16="http://schemas.microsoft.com/office/drawing/2014/main" id="{0502F9B1-48C7-42CB-A32F-D0367A41DD2B}"/>
               </a:ext>
             </a:extLst>
           </p:cNvPr>
@@ -3862,13 +3900,14 @@
         </p:blipFill>
         <p:spPr bwMode="auto">
           <a:xfrm>
-            <a:off x="8635858" y="1828917"/>
-            <a:ext cx="3397219" cy="1053728"/>
+            <a:off x="8420100" y="1244212"/>
+            <a:ext cx="3771900" cy="2590800"/>
           </a:xfrm>
           <a:prstGeom prst="rect">
             <a:avLst/>
           </a:prstGeom>
           <a:noFill/>
+          <a:effectLst/>
           <a:extLst>
             <a:ext uri="{909E8E84-426E-40DD-AFC4-6F175D3DCCD1}">
               <a14:hiddenFill xmlns:a14="http://schemas.microsoft.com/office/drawing/2010/main">
@@ -3880,41 +3919,6 @@
           </a:extLst>
         </p:spPr>
       </p:pic>
-      <p:sp>
-        <p:nvSpPr>
-          <p:cNvPr id="3" name="CaixaDeTexto 2">
-            <a:extLst>
-              <a:ext uri="{FF2B5EF4-FFF2-40B4-BE49-F238E27FC236}">
-                <a16:creationId xmlns:a16="http://schemas.microsoft.com/office/drawing/2014/main" id="{E191BA30-DB59-429D-B323-1B64927783DC}"/>
-              </a:ext>
-            </a:extLst>
-          </p:cNvPr>
-          <p:cNvSpPr txBox="1"/>
-          <p:nvPr/>
-        </p:nvSpPr>
-        <p:spPr>
-          <a:xfrm>
-            <a:off x="9710514" y="3999129"/>
-            <a:ext cx="1247906" cy="369332"/>
-          </a:xfrm>
-          <a:prstGeom prst="rect">
-            <a:avLst/>
-          </a:prstGeom>
-          <a:noFill/>
-        </p:spPr>
-        <p:txBody>
-          <a:bodyPr wrap="none" rtlCol="0">
-            <a:spAutoFit/>
-          </a:bodyPr>
-          <a:lstStyle/>
-          <a:p>
-            <a:r>
-              <a:rPr lang="pt-BR" dirty="0"/>
-              <a:t>QlikView12</a:t>
-            </a:r>
-          </a:p>
-        </p:txBody>
-      </p:sp>
     </p:spTree>
     <p:extLst>
       <p:ext uri="{BB962C8B-B14F-4D97-AF65-F5344CB8AC3E}">
